--- a/weekly report/weekly_report3.pptx
+++ b/weekly report/weekly_report3.pptx
@@ -6,18 +6,15 @@
     <p:sldMasterId id="2147483660" r:id="rId2"/>
   </p:sldMasterIdLst>
   <p:notesMasterIdLst>
-    <p:notesMasterId r:id="rId12"/>
+    <p:notesMasterId r:id="rId9"/>
   </p:notesMasterIdLst>
   <p:sldIdLst>
     <p:sldId id="264" r:id="rId3"/>
-    <p:sldId id="267" r:id="rId4"/>
-    <p:sldId id="296" r:id="rId5"/>
-    <p:sldId id="286" r:id="rId6"/>
-    <p:sldId id="297" r:id="rId7"/>
-    <p:sldId id="290" r:id="rId8"/>
-    <p:sldId id="291" r:id="rId9"/>
-    <p:sldId id="288" r:id="rId10"/>
-    <p:sldId id="294" r:id="rId11"/>
+    <p:sldId id="296" r:id="rId4"/>
+    <p:sldId id="286" r:id="rId5"/>
+    <p:sldId id="297" r:id="rId6"/>
+    <p:sldId id="290" r:id="rId7"/>
+    <p:sldId id="294" r:id="rId8"/>
   </p:sldIdLst>
   <p:sldSz cx="9144000" cy="6858000" type="screen4x3"/>
   <p:notesSz cx="6858000" cy="9144000"/>
@@ -229,7 +226,7 @@
           <a:p>
             <a:fld id="{C1E1A64C-188C-EE45-8E36-84B1BD38D202}" type="datetimeFigureOut">
               <a:rPr lang="en-US" smtClean="0"/>
-              <a:t>4/11/18</a:t>
+              <a:t>4/23/18</a:t>
             </a:fld>
             <a:endParaRPr lang="en-US"/>
           </a:p>
@@ -6722,7 +6719,7 @@
             </a:pPr>
             <a:r>
               <a:rPr lang="en-US" sz="2000" i="1" dirty="0"/>
-              <a:t>04/11/2018</a:t>
+              <a:t>04/23/2018</a:t>
             </a:r>
           </a:p>
           <a:p>
@@ -6940,12 +6937,7 @@
             <p:ph type="title"/>
           </p:nvPr>
         </p:nvSpPr>
-        <p:spPr>
-          <a:xfrm>
-            <a:off x="457200" y="95655"/>
-            <a:ext cx="8229600" cy="762000"/>
-          </a:xfrm>
-        </p:spPr>
+        <p:spPr/>
         <p:txBody>
           <a:bodyPr>
             <a:normAutofit/>
@@ -6954,23 +6946,7 @@
           <a:p>
             <a:r>
               <a:rPr lang="en-US" altLang="zh-Hans" dirty="0"/>
-              <a:t>Point</a:t>
-            </a:r>
-            <a:r>
-              <a:rPr lang="zh-Hans" altLang="en-US" dirty="0"/>
-              <a:t> </a:t>
-            </a:r>
-            <a:r>
-              <a:rPr lang="en-US" altLang="zh-Hans" dirty="0"/>
-              <a:t>Cloud</a:t>
-            </a:r>
-            <a:r>
-              <a:rPr lang="zh-Hans" altLang="en-US" dirty="0"/>
-              <a:t> </a:t>
-            </a:r>
-            <a:r>
-              <a:rPr lang="en-US" altLang="zh-Hans" dirty="0"/>
-              <a:t>Library</a:t>
+              <a:t>PCL Clipper</a:t>
             </a:r>
             <a:endParaRPr lang="en-US" dirty="0"/>
           </a:p>
@@ -6998,43 +6974,72 @@
           </a:bodyPr>
           <a:lstStyle/>
           <a:p>
-            <a:pPr marL="342900" lvl="1" indent="-342900">
-              <a:buFont typeface="Arial" panose="020B0604020202020204" pitchFamily="34" charset="0"/>
-              <a:buChar char="•"/>
-            </a:pPr>
-            <a:r>
-              <a:rPr lang="en-US" altLang="zh-CN" sz="2400" dirty="0"/>
-              <a:t>The Point Cloud Library (PCL) is a standalone, large scale, open project for 2D/3D image and point cloud processing.</a:t>
-            </a:r>
-          </a:p>
-          <a:p>
-            <a:pPr marL="342900" lvl="1" indent="-342900">
-              <a:buFont typeface="Arial" panose="020B0604020202020204" pitchFamily="34" charset="0"/>
-              <a:buChar char="•"/>
-            </a:pPr>
-            <a:r>
-              <a:rPr lang="en-US" altLang="zh-CN" sz="2400" dirty="0"/>
-              <a:t>Available for Linux, Windows, and Mac OS X</a:t>
-            </a:r>
-          </a:p>
-          <a:p>
-            <a:pPr marL="342900" lvl="1" indent="-342900">
-              <a:buFont typeface="Arial" panose="020B0604020202020204" pitchFamily="34" charset="0"/>
-              <a:buChar char="•"/>
-            </a:pPr>
-            <a:r>
-              <a:rPr lang="en-US" altLang="zh-CN" sz="2400" dirty="0"/>
-              <a:t>Download &amp; install: </a:t>
-            </a:r>
-            <a:r>
-              <a:rPr lang="en-US" altLang="zh-CN" sz="2400" dirty="0">
-                <a:hlinkClick r:id="rId2"/>
-              </a:rPr>
-              <a:t>http://pointclouds.org/downloads/</a:t>
-            </a:r>
-            <a:endParaRPr lang="en-US" altLang="zh-CN" sz="2400" dirty="0"/>
-          </a:p>
-          <a:p>
+            <a:r>
+              <a:rPr lang="en-US" dirty="0"/>
+              <a:t>Find the head boundary in the point cloud.</a:t>
+            </a:r>
+          </a:p>
+          <a:p>
+            <a:r>
+              <a:rPr lang="en-US" altLang="zh-Hans" dirty="0"/>
+              <a:t>Set</a:t>
+            </a:r>
+            <a:r>
+              <a:rPr lang="zh-Hans" altLang="en-US" dirty="0"/>
+              <a:t> </a:t>
+            </a:r>
+            <a:r>
+              <a:rPr lang="en-US" altLang="zh-Hans" dirty="0"/>
+              <a:t>the </a:t>
+            </a:r>
+            <a:r>
+              <a:rPr lang="en-US" altLang="zh-Hans" dirty="0" err="1"/>
+              <a:t>min_x</a:t>
+            </a:r>
+            <a:r>
+              <a:rPr lang="en-US" altLang="zh-Hans" dirty="0"/>
+              <a:t>, </a:t>
+            </a:r>
+            <a:r>
+              <a:rPr lang="en-US" altLang="zh-Hans" dirty="0" err="1"/>
+              <a:t>max_x</a:t>
+            </a:r>
+            <a:r>
+              <a:rPr lang="en-US" altLang="zh-Hans" dirty="0"/>
+              <a:t>, </a:t>
+            </a:r>
+            <a:r>
+              <a:rPr lang="en-US" altLang="zh-Hans" dirty="0" err="1"/>
+              <a:t>min_y</a:t>
+            </a:r>
+            <a:r>
+              <a:rPr lang="en-US" altLang="zh-Hans" dirty="0"/>
+              <a:t>, </a:t>
+            </a:r>
+            <a:r>
+              <a:rPr lang="en-US" altLang="zh-Hans" dirty="0" err="1"/>
+              <a:t>max_y</a:t>
+            </a:r>
+            <a:r>
+              <a:rPr lang="en-US" altLang="zh-Hans" dirty="0"/>
+              <a:t>, </a:t>
+            </a:r>
+            <a:r>
+              <a:rPr lang="en-US" altLang="zh-Hans" dirty="0" err="1"/>
+              <a:t>min_z</a:t>
+            </a:r>
+            <a:r>
+              <a:rPr lang="en-US" altLang="zh-Hans" dirty="0"/>
+              <a:t>, and </a:t>
+            </a:r>
+            <a:r>
+              <a:rPr lang="en-US" altLang="zh-Hans" dirty="0" err="1"/>
+              <a:t>max_z</a:t>
+            </a:r>
+            <a:r>
+              <a:rPr lang="en-US" altLang="zh-Hans" dirty="0"/>
+              <a:t> to clip the face data from the whole Point Cloud data.</a:t>
+            </a:r>
             <a:endParaRPr lang="en-US" dirty="0"/>
           </a:p>
         </p:txBody>
@@ -7068,10 +7073,10 @@
       </p:sp>
       <p:sp>
         <p:nvSpPr>
-          <p:cNvPr id="10" name="Footer Placeholder 4">
+          <p:cNvPr id="7" name="Footer Placeholder 4">
             <a:extLst>
               <a:ext uri="{FF2B5EF4-FFF2-40B4-BE49-F238E27FC236}">
-                <a16:creationId xmlns:a16="http://schemas.microsoft.com/office/drawing/2014/main" id="{4341C584-5C38-B849-9DFB-DAF975C38B12}"/>
+                <a16:creationId xmlns:a16="http://schemas.microsoft.com/office/drawing/2014/main" id="{E348F1A1-22FE-F94C-8B22-F869CF5665AF}"/>
               </a:ext>
             </a:extLst>
           </p:cNvPr>
@@ -7207,10 +7212,10 @@
       </p:sp>
       <p:pic>
         <p:nvPicPr>
-          <p:cNvPr id="11" name="图片 17">
+          <p:cNvPr id="8" name="Picture 7">
             <a:extLst>
               <a:ext uri="{FF2B5EF4-FFF2-40B4-BE49-F238E27FC236}">
-                <a16:creationId xmlns:a16="http://schemas.microsoft.com/office/drawing/2014/main" id="{2AFF5CD0-9A0F-F440-B473-DC8DED333A1A}"/>
+                <a16:creationId xmlns:a16="http://schemas.microsoft.com/office/drawing/2014/main" id="{BB133F46-965D-244C-96D3-1DE663F2B925}"/>
               </a:ext>
             </a:extLst>
           </p:cNvPr>
@@ -7220,21 +7225,15 @@
           <p:nvPr/>
         </p:nvPicPr>
         <p:blipFill>
-          <a:blip r:embed="rId3">
-            <a:extLst>
-              <a:ext uri="{28A0092B-C50C-407E-A947-70E740481C1C}">
-                <a14:useLocalDpi xmlns:a14="http://schemas.microsoft.com/office/drawing/2010/main" val="0"/>
-              </a:ext>
-            </a:extLst>
-          </a:blip>
+          <a:blip r:embed="rId2"/>
           <a:stretch>
             <a:fillRect/>
           </a:stretch>
         </p:blipFill>
         <p:spPr>
           <a:xfrm>
-            <a:off x="1057256" y="3705253"/>
-            <a:ext cx="7029487" cy="2210094"/>
+            <a:off x="2497727" y="3732029"/>
+            <a:ext cx="3876947" cy="2522798"/>
           </a:xfrm>
           <a:prstGeom prst="rect">
             <a:avLst/>
@@ -7242,6 +7241,11 @@
         </p:spPr>
       </p:pic>
     </p:spTree>
+    <p:extLst>
+      <p:ext uri="{BB962C8B-B14F-4D97-AF65-F5344CB8AC3E}">
+        <p14:creationId xmlns:p14="http://schemas.microsoft.com/office/powerpoint/2010/main" val="3039085723"/>
+      </p:ext>
+    </p:extLst>
   </p:cSld>
   <p:clrMapOvr>
     <a:masterClrMapping/>
@@ -7285,7 +7289,7 @@
           <a:p>
             <a:r>
               <a:rPr lang="en-US" altLang="zh-Hans" dirty="0"/>
-              <a:t>PCL modules Libraries</a:t>
+              <a:t>Estimating Surface normal</a:t>
             </a:r>
             <a:endParaRPr lang="en-US" dirty="0"/>
           </a:p>
@@ -7315,8 +7319,35 @@
           <a:p>
             <a:r>
               <a:rPr lang="en-US" dirty="0"/>
-              <a:t>The most important set of released modules in PCL is shown below.</a:t>
-            </a:r>
+              <a:t>Surface </a:t>
+            </a:r>
+            <a:r>
+              <a:rPr lang="en-US" dirty="0" err="1"/>
+              <a:t>normals</a:t>
+            </a:r>
+            <a:r>
+              <a:rPr lang="en-US" dirty="0"/>
+              <a:t> are important properties of a geometric surface</a:t>
+            </a:r>
+          </a:p>
+          <a:p>
+            <a:r>
+              <a:rPr lang="en-US" dirty="0"/>
+              <a:t>Surface </a:t>
+            </a:r>
+            <a:r>
+              <a:rPr lang="en-US" dirty="0" err="1"/>
+              <a:t>normals</a:t>
+            </a:r>
+            <a:r>
+              <a:rPr lang="en-US" dirty="0"/>
+              <a:t> are  heavily used in many areas such as computer graphics applications and computer fe</a:t>
+            </a:r>
+            <a:r>
+              <a:rPr lang="en-US" altLang="zh-Hans" dirty="0"/>
+              <a:t>ature histogram.</a:t>
+            </a:r>
+            <a:endParaRPr lang="zh-CN" altLang="en-US" dirty="0"/>
           </a:p>
         </p:txBody>
       </p:sp>
@@ -7347,48 +7378,12 @@
           </a:p>
         </p:txBody>
       </p:sp>
-      <p:pic>
-        <p:nvPicPr>
-          <p:cNvPr id="6" name="图片 2">
+      <p:sp>
+        <p:nvSpPr>
+          <p:cNvPr id="10" name="Footer Placeholder 4">
             <a:extLst>
               <a:ext uri="{FF2B5EF4-FFF2-40B4-BE49-F238E27FC236}">
-                <a16:creationId xmlns:a16="http://schemas.microsoft.com/office/drawing/2014/main" id="{1CBA0DEA-C976-8C40-8825-3BFFFBDE351D}"/>
-              </a:ext>
-            </a:extLst>
-          </p:cNvPr>
-          <p:cNvPicPr>
-            <a:picLocks noChangeAspect="1"/>
-          </p:cNvPicPr>
-          <p:nvPr/>
-        </p:nvPicPr>
-        <p:blipFill>
-          <a:blip r:embed="rId2">
-            <a:extLst>
-              <a:ext uri="{28A0092B-C50C-407E-A947-70E740481C1C}">
-                <a14:useLocalDpi xmlns:a14="http://schemas.microsoft.com/office/drawing/2010/main" val="0"/>
-              </a:ext>
-            </a:extLst>
-          </a:blip>
-          <a:stretch>
-            <a:fillRect/>
-          </a:stretch>
-        </p:blipFill>
-        <p:spPr>
-          <a:xfrm>
-            <a:off x="2001073" y="2199190"/>
-            <a:ext cx="4997549" cy="3991802"/>
-          </a:xfrm>
-          <a:prstGeom prst="rect">
-            <a:avLst/>
-          </a:prstGeom>
-        </p:spPr>
-      </p:pic>
-      <p:sp>
-        <p:nvSpPr>
-          <p:cNvPr id="7" name="Footer Placeholder 4">
-            <a:extLst>
-              <a:ext uri="{FF2B5EF4-FFF2-40B4-BE49-F238E27FC236}">
-                <a16:creationId xmlns:a16="http://schemas.microsoft.com/office/drawing/2014/main" id="{E348F1A1-22FE-F94C-8B22-F869CF5665AF}"/>
+                <a16:creationId xmlns:a16="http://schemas.microsoft.com/office/drawing/2014/main" id="{1BACC663-1F9E-0446-B3A9-E3D87574C58B}"/>
               </a:ext>
             </a:extLst>
           </p:cNvPr>
@@ -7522,10 +7517,70 @@
           </a:p>
         </p:txBody>
       </p:sp>
+      <p:pic>
+        <p:nvPicPr>
+          <p:cNvPr id="7" name="Picture 6">
+            <a:extLst>
+              <a:ext uri="{FF2B5EF4-FFF2-40B4-BE49-F238E27FC236}">
+                <a16:creationId xmlns:a16="http://schemas.microsoft.com/office/drawing/2014/main" id="{867D5EEA-D3CA-2448-87D3-6FBB1BDCEAD7}"/>
+              </a:ext>
+            </a:extLst>
+          </p:cNvPr>
+          <p:cNvPicPr>
+            <a:picLocks noChangeAspect="1"/>
+          </p:cNvPicPr>
+          <p:nvPr/>
+        </p:nvPicPr>
+        <p:blipFill>
+          <a:blip r:embed="rId2"/>
+          <a:stretch>
+            <a:fillRect/>
+          </a:stretch>
+        </p:blipFill>
+        <p:spPr>
+          <a:xfrm>
+            <a:off x="1441450" y="3850104"/>
+            <a:ext cx="2518147" cy="1731545"/>
+          </a:xfrm>
+          <a:prstGeom prst="rect">
+            <a:avLst/>
+          </a:prstGeom>
+        </p:spPr>
+      </p:pic>
+      <p:pic>
+        <p:nvPicPr>
+          <p:cNvPr id="11" name="Picture 10">
+            <a:extLst>
+              <a:ext uri="{FF2B5EF4-FFF2-40B4-BE49-F238E27FC236}">
+                <a16:creationId xmlns:a16="http://schemas.microsoft.com/office/drawing/2014/main" id="{82C1023C-7101-C447-B515-542351909A84}"/>
+              </a:ext>
+            </a:extLst>
+          </p:cNvPr>
+          <p:cNvPicPr>
+            <a:picLocks noChangeAspect="1"/>
+          </p:cNvPicPr>
+          <p:nvPr/>
+        </p:nvPicPr>
+        <p:blipFill>
+          <a:blip r:embed="rId3"/>
+          <a:stretch>
+            <a:fillRect/>
+          </a:stretch>
+        </p:blipFill>
+        <p:spPr>
+          <a:xfrm>
+            <a:off x="5499834" y="3245354"/>
+            <a:ext cx="2283197" cy="2336295"/>
+          </a:xfrm>
+          <a:prstGeom prst="rect">
+            <a:avLst/>
+          </a:prstGeom>
+        </p:spPr>
+      </p:pic>
     </p:spTree>
     <p:extLst>
       <p:ext uri="{BB962C8B-B14F-4D97-AF65-F5344CB8AC3E}">
-        <p14:creationId xmlns:p14="http://schemas.microsoft.com/office/powerpoint/2010/main" val="3039085723"/>
+        <p14:creationId xmlns:p14="http://schemas.microsoft.com/office/powerpoint/2010/main" val="3840662661"/>
       </p:ext>
     </p:extLst>
   </p:cSld>
@@ -7570,68 +7625,46 @@
           <a:lstStyle/>
           <a:p>
             <a:r>
-              <a:rPr lang="en-US" altLang="zh-CN" dirty="0"/>
-              <a:t>Data Representations in PCL</a:t>
-            </a:r>
+              <a:rPr lang="en-US" dirty="0"/>
+              <a:t>3D Object Recognition</a:t>
+            </a:r>
+          </a:p>
+        </p:txBody>
+      </p:sp>
+      <p:sp>
+        <p:nvSpPr>
+          <p:cNvPr id="3" name="Content Placeholder 2"/>
+          <p:cNvSpPr>
+            <a:spLocks noGrp="1"/>
+          </p:cNvSpPr>
+          <p:nvPr>
+            <p:ph idx="1"/>
+          </p:nvPr>
+        </p:nvSpPr>
+        <p:spPr/>
+        <p:txBody>
+          <a:bodyPr/>
+          <a:lstStyle/>
+          <a:p>
+            <a:r>
+              <a:rPr lang="en-US" dirty="0"/>
+              <a:t>Using Correspondence Grouping algorithms</a:t>
+            </a:r>
+          </a:p>
+          <a:p>
+            <a:r>
+              <a:rPr lang="en-US" dirty="0"/>
+              <a:t>the 3D descriptor matching stage into model instances that are present in the current scene</a:t>
+            </a:r>
+          </a:p>
+          <a:p>
+            <a:r>
+              <a:rPr lang="en-US" dirty="0"/>
+              <a:t>Find face model in current scene</a:t>
+            </a:r>
+          </a:p>
+          <a:p>
             <a:endParaRPr lang="en-US" dirty="0"/>
-          </a:p>
-        </p:txBody>
-      </p:sp>
-      <p:sp>
-        <p:nvSpPr>
-          <p:cNvPr id="3" name="Content Placeholder 2"/>
-          <p:cNvSpPr>
-            <a:spLocks noGrp="1"/>
-          </p:cNvSpPr>
-          <p:nvPr>
-            <p:ph idx="1"/>
-          </p:nvPr>
-        </p:nvSpPr>
-        <p:spPr>
-          <a:xfrm>
-            <a:off x="457200" y="1118794"/>
-            <a:ext cx="8229600" cy="5479473"/>
-          </a:xfrm>
-        </p:spPr>
-        <p:txBody>
-          <a:bodyPr vert="horz" lIns="91440" tIns="45720" rIns="91440" bIns="45720" rtlCol="0" anchor="t">
-            <a:normAutofit/>
-          </a:bodyPr>
-          <a:lstStyle/>
-          <a:p>
-            <a:r>
-              <a:rPr lang="en-US" altLang="zh-CN" dirty="0"/>
-              <a:t>PCL can deal with both organized (e.g. range maps) and unorganized point clouds</a:t>
-            </a:r>
-          </a:p>
-          <a:p>
-            <a:r>
-              <a:rPr lang="en-US" altLang="zh-CN" dirty="0"/>
-              <a:t>Points can be XYZ, </a:t>
-            </a:r>
-            <a:r>
-              <a:rPr lang="en-US" altLang="zh-CN" dirty="0" err="1"/>
-              <a:t>XYZ+normals</a:t>
-            </a:r>
-            <a:r>
-              <a:rPr lang="en-US" altLang="zh-CN" dirty="0"/>
-              <a:t>, XYZI, XYZRGB, …</a:t>
-            </a:r>
-          </a:p>
-          <a:p>
-            <a:r>
-              <a:rPr lang="en-US" altLang="zh-CN" dirty="0"/>
-              <a:t>Both are handled by the same data structure (</a:t>
-            </a:r>
-            <a:r>
-              <a:rPr lang="en-US" altLang="zh-Hans" dirty="0"/>
-              <a:t>PCD Format type</a:t>
-            </a:r>
-            <a:r>
-              <a:rPr lang="en-US" altLang="zh-CN" dirty="0"/>
-              <a:t>)</a:t>
-            </a:r>
-            <a:endParaRPr lang="zh-CN" altLang="en-US" dirty="0"/>
           </a:p>
         </p:txBody>
       </p:sp>
@@ -7662,12 +7695,151 @@
           </a:p>
         </p:txBody>
       </p:sp>
+      <p:sp>
+        <p:nvSpPr>
+          <p:cNvPr id="11" name="Footer Placeholder 4">
+            <a:extLst>
+              <a:ext uri="{FF2B5EF4-FFF2-40B4-BE49-F238E27FC236}">
+                <a16:creationId xmlns:a16="http://schemas.microsoft.com/office/drawing/2014/main" id="{A5803C65-82D4-3743-8811-BFD9762F1B12}"/>
+              </a:ext>
+            </a:extLst>
+          </p:cNvPr>
+          <p:cNvSpPr txBox="1">
+            <a:spLocks/>
+          </p:cNvSpPr>
+          <p:nvPr/>
+        </p:nvSpPr>
+        <p:spPr>
+          <a:xfrm>
+            <a:off x="0" y="6514560"/>
+            <a:ext cx="2895600" cy="365125"/>
+          </a:xfrm>
+          <a:prstGeom prst="rect">
+            <a:avLst/>
+          </a:prstGeom>
+          <a:noFill/>
+        </p:spPr>
+        <p:txBody>
+          <a:bodyPr/>
+          <a:lstStyle>
+            <a:defPPr>
+              <a:defRPr lang="en-US"/>
+            </a:defPPr>
+            <a:lvl1pPr marL="0" algn="l" defTabSz="457200" rtl="0" eaLnBrk="1" latinLnBrk="0" hangingPunct="1">
+              <a:defRPr sz="1800" kern="1200">
+                <a:solidFill>
+                  <a:schemeClr val="tx1"/>
+                </a:solidFill>
+                <a:latin typeface="+mn-lt"/>
+                <a:ea typeface="+mn-ea"/>
+                <a:cs typeface="+mn-cs"/>
+              </a:defRPr>
+            </a:lvl1pPr>
+            <a:lvl2pPr marL="457200" algn="l" defTabSz="457200" rtl="0" eaLnBrk="1" latinLnBrk="0" hangingPunct="1">
+              <a:defRPr sz="1800" kern="1200">
+                <a:solidFill>
+                  <a:schemeClr val="tx1"/>
+                </a:solidFill>
+                <a:latin typeface="+mn-lt"/>
+                <a:ea typeface="+mn-ea"/>
+                <a:cs typeface="+mn-cs"/>
+              </a:defRPr>
+            </a:lvl2pPr>
+            <a:lvl3pPr marL="914400" algn="l" defTabSz="457200" rtl="0" eaLnBrk="1" latinLnBrk="0" hangingPunct="1">
+              <a:defRPr sz="1800" kern="1200">
+                <a:solidFill>
+                  <a:schemeClr val="tx1"/>
+                </a:solidFill>
+                <a:latin typeface="+mn-lt"/>
+                <a:ea typeface="+mn-ea"/>
+                <a:cs typeface="+mn-cs"/>
+              </a:defRPr>
+            </a:lvl3pPr>
+            <a:lvl4pPr marL="1371600" algn="l" defTabSz="457200" rtl="0" eaLnBrk="1" latinLnBrk="0" hangingPunct="1">
+              <a:defRPr sz="1800" kern="1200">
+                <a:solidFill>
+                  <a:schemeClr val="tx1"/>
+                </a:solidFill>
+                <a:latin typeface="+mn-lt"/>
+                <a:ea typeface="+mn-ea"/>
+                <a:cs typeface="+mn-cs"/>
+              </a:defRPr>
+            </a:lvl4pPr>
+            <a:lvl5pPr marL="1828800" algn="l" defTabSz="457200" rtl="0" eaLnBrk="1" latinLnBrk="0" hangingPunct="1">
+              <a:defRPr sz="1800" kern="1200">
+                <a:solidFill>
+                  <a:schemeClr val="tx1"/>
+                </a:solidFill>
+                <a:latin typeface="+mn-lt"/>
+                <a:ea typeface="+mn-ea"/>
+                <a:cs typeface="+mn-cs"/>
+              </a:defRPr>
+            </a:lvl5pPr>
+            <a:lvl6pPr marL="2286000" algn="l" defTabSz="457200" rtl="0" eaLnBrk="1" latinLnBrk="0" hangingPunct="1">
+              <a:defRPr sz="1800" kern="1200">
+                <a:solidFill>
+                  <a:schemeClr val="tx1"/>
+                </a:solidFill>
+                <a:latin typeface="+mn-lt"/>
+                <a:ea typeface="+mn-ea"/>
+                <a:cs typeface="+mn-cs"/>
+              </a:defRPr>
+            </a:lvl6pPr>
+            <a:lvl7pPr marL="2743200" algn="l" defTabSz="457200" rtl="0" eaLnBrk="1" latinLnBrk="0" hangingPunct="1">
+              <a:defRPr sz="1800" kern="1200">
+                <a:solidFill>
+                  <a:schemeClr val="tx1"/>
+                </a:solidFill>
+                <a:latin typeface="+mn-lt"/>
+                <a:ea typeface="+mn-ea"/>
+                <a:cs typeface="+mn-cs"/>
+              </a:defRPr>
+            </a:lvl7pPr>
+            <a:lvl8pPr marL="3200400" algn="l" defTabSz="457200" rtl="0" eaLnBrk="1" latinLnBrk="0" hangingPunct="1">
+              <a:defRPr sz="1800" kern="1200">
+                <a:solidFill>
+                  <a:schemeClr val="tx1"/>
+                </a:solidFill>
+                <a:latin typeface="+mn-lt"/>
+                <a:ea typeface="+mn-ea"/>
+                <a:cs typeface="+mn-cs"/>
+              </a:defRPr>
+            </a:lvl8pPr>
+            <a:lvl9pPr marL="3657600" algn="l" defTabSz="457200" rtl="0" eaLnBrk="1" latinLnBrk="0" hangingPunct="1">
+              <a:defRPr sz="1800" kern="1200">
+                <a:solidFill>
+                  <a:schemeClr val="tx1"/>
+                </a:solidFill>
+                <a:latin typeface="+mn-lt"/>
+                <a:ea typeface="+mn-ea"/>
+                <a:cs typeface="+mn-cs"/>
+              </a:defRPr>
+            </a:lvl9pPr>
+          </a:lstStyle>
+          <a:p>
+            <a:pPr defTabSz="914400"/>
+            <a:r>
+              <a:rPr lang="en-US" sz="1100">
+                <a:solidFill>
+                  <a:prstClr val="black"/>
+                </a:solidFill>
+              </a:rPr>
+              <a:t>Multimedia Computing &amp; Communication Lab</a:t>
+            </a:r>
+            <a:endParaRPr lang="en-US" sz="1100" dirty="0">
+              <a:solidFill>
+                <a:prstClr val="black"/>
+              </a:solidFill>
+            </a:endParaRPr>
+          </a:p>
+        </p:txBody>
+      </p:sp>
       <p:pic>
         <p:nvPicPr>
-          <p:cNvPr id="9" name="Picture 8">
+          <p:cNvPr id="7" name="Picture 6">
             <a:extLst>
               <a:ext uri="{FF2B5EF4-FFF2-40B4-BE49-F238E27FC236}">
-                <a16:creationId xmlns:a16="http://schemas.microsoft.com/office/drawing/2014/main" id="{C106BB26-4796-C841-8D8F-BD1AF14AFEAD}"/>
+                <a16:creationId xmlns:a16="http://schemas.microsoft.com/office/drawing/2014/main" id="{EBC4A091-D7A5-354C-9C2F-01F971FBB1EC}"/>
               </a:ext>
             </a:extLst>
           </p:cNvPr>
@@ -7684,8 +7856,8 @@
         </p:blipFill>
         <p:spPr>
           <a:xfrm>
-            <a:off x="1351368" y="3661763"/>
-            <a:ext cx="5368409" cy="2574997"/>
+            <a:off x="2660115" y="3365050"/>
+            <a:ext cx="3823770" cy="2463132"/>
           </a:xfrm>
           <a:prstGeom prst="rect">
             <a:avLst/>
@@ -7694,22 +7866,20 @@
       </p:pic>
       <p:sp>
         <p:nvSpPr>
-          <p:cNvPr id="10" name="Footer Placeholder 4">
+          <p:cNvPr id="10" name="TextBox 9">
             <a:extLst>
               <a:ext uri="{FF2B5EF4-FFF2-40B4-BE49-F238E27FC236}">
-                <a16:creationId xmlns:a16="http://schemas.microsoft.com/office/drawing/2014/main" id="{1BACC663-1F9E-0446-B3A9-E3D87574C58B}"/>
+                <a16:creationId xmlns:a16="http://schemas.microsoft.com/office/drawing/2014/main" id="{F6DC3529-C0AC-0342-A829-98BE2652CF23}"/>
               </a:ext>
             </a:extLst>
           </p:cNvPr>
-          <p:cNvSpPr txBox="1">
-            <a:spLocks/>
-          </p:cNvSpPr>
+          <p:cNvSpPr txBox="1"/>
           <p:nvPr/>
         </p:nvSpPr>
         <p:spPr>
           <a:xfrm>
-            <a:off x="0" y="6514560"/>
-            <a:ext cx="2895600" cy="365125"/>
+            <a:off x="3825802" y="5985979"/>
+            <a:ext cx="1492396" cy="646331"/>
           </a:xfrm>
           <a:prstGeom prst="rect">
             <a:avLst/>
@@ -7717,124 +7887,25 @@
           <a:noFill/>
         </p:spPr>
         <p:txBody>
-          <a:bodyPr/>
-          <a:lstStyle>
-            <a:defPPr>
-              <a:defRPr lang="en-US"/>
-            </a:defPPr>
-            <a:lvl1pPr marL="0" algn="l" defTabSz="457200" rtl="0" eaLnBrk="1" latinLnBrk="0" hangingPunct="1">
-              <a:defRPr sz="1800" kern="1200">
-                <a:solidFill>
-                  <a:schemeClr val="tx1"/>
-                </a:solidFill>
-                <a:latin typeface="+mn-lt"/>
-                <a:ea typeface="+mn-ea"/>
-                <a:cs typeface="+mn-cs"/>
-              </a:defRPr>
-            </a:lvl1pPr>
-            <a:lvl2pPr marL="457200" algn="l" defTabSz="457200" rtl="0" eaLnBrk="1" latinLnBrk="0" hangingPunct="1">
-              <a:defRPr sz="1800" kern="1200">
-                <a:solidFill>
-                  <a:schemeClr val="tx1"/>
-                </a:solidFill>
-                <a:latin typeface="+mn-lt"/>
-                <a:ea typeface="+mn-ea"/>
-                <a:cs typeface="+mn-cs"/>
-              </a:defRPr>
-            </a:lvl2pPr>
-            <a:lvl3pPr marL="914400" algn="l" defTabSz="457200" rtl="0" eaLnBrk="1" latinLnBrk="0" hangingPunct="1">
-              <a:defRPr sz="1800" kern="1200">
-                <a:solidFill>
-                  <a:schemeClr val="tx1"/>
-                </a:solidFill>
-                <a:latin typeface="+mn-lt"/>
-                <a:ea typeface="+mn-ea"/>
-                <a:cs typeface="+mn-cs"/>
-              </a:defRPr>
-            </a:lvl3pPr>
-            <a:lvl4pPr marL="1371600" algn="l" defTabSz="457200" rtl="0" eaLnBrk="1" latinLnBrk="0" hangingPunct="1">
-              <a:defRPr sz="1800" kern="1200">
-                <a:solidFill>
-                  <a:schemeClr val="tx1"/>
-                </a:solidFill>
-                <a:latin typeface="+mn-lt"/>
-                <a:ea typeface="+mn-ea"/>
-                <a:cs typeface="+mn-cs"/>
-              </a:defRPr>
-            </a:lvl4pPr>
-            <a:lvl5pPr marL="1828800" algn="l" defTabSz="457200" rtl="0" eaLnBrk="1" latinLnBrk="0" hangingPunct="1">
-              <a:defRPr sz="1800" kern="1200">
-                <a:solidFill>
-                  <a:schemeClr val="tx1"/>
-                </a:solidFill>
-                <a:latin typeface="+mn-lt"/>
-                <a:ea typeface="+mn-ea"/>
-                <a:cs typeface="+mn-cs"/>
-              </a:defRPr>
-            </a:lvl5pPr>
-            <a:lvl6pPr marL="2286000" algn="l" defTabSz="457200" rtl="0" eaLnBrk="1" latinLnBrk="0" hangingPunct="1">
-              <a:defRPr sz="1800" kern="1200">
-                <a:solidFill>
-                  <a:schemeClr val="tx1"/>
-                </a:solidFill>
-                <a:latin typeface="+mn-lt"/>
-                <a:ea typeface="+mn-ea"/>
-                <a:cs typeface="+mn-cs"/>
-              </a:defRPr>
-            </a:lvl6pPr>
-            <a:lvl7pPr marL="2743200" algn="l" defTabSz="457200" rtl="0" eaLnBrk="1" latinLnBrk="0" hangingPunct="1">
-              <a:defRPr sz="1800" kern="1200">
-                <a:solidFill>
-                  <a:schemeClr val="tx1"/>
-                </a:solidFill>
-                <a:latin typeface="+mn-lt"/>
-                <a:ea typeface="+mn-ea"/>
-                <a:cs typeface="+mn-cs"/>
-              </a:defRPr>
-            </a:lvl7pPr>
-            <a:lvl8pPr marL="3200400" algn="l" defTabSz="457200" rtl="0" eaLnBrk="1" latinLnBrk="0" hangingPunct="1">
-              <a:defRPr sz="1800" kern="1200">
-                <a:solidFill>
-                  <a:schemeClr val="tx1"/>
-                </a:solidFill>
-                <a:latin typeface="+mn-lt"/>
-                <a:ea typeface="+mn-ea"/>
-                <a:cs typeface="+mn-cs"/>
-              </a:defRPr>
-            </a:lvl8pPr>
-            <a:lvl9pPr marL="3657600" algn="l" defTabSz="457200" rtl="0" eaLnBrk="1" latinLnBrk="0" hangingPunct="1">
-              <a:defRPr sz="1800" kern="1200">
-                <a:solidFill>
-                  <a:schemeClr val="tx1"/>
-                </a:solidFill>
-                <a:latin typeface="+mn-lt"/>
-                <a:ea typeface="+mn-ea"/>
-                <a:cs typeface="+mn-cs"/>
-              </a:defRPr>
-            </a:lvl9pPr>
-          </a:lstStyle>
-          <a:p>
-            <a:pPr defTabSz="914400"/>
-            <a:r>
-              <a:rPr lang="en-US" sz="1100">
-                <a:solidFill>
-                  <a:prstClr val="black"/>
-                </a:solidFill>
-              </a:rPr>
-              <a:t>Multimedia Computing &amp; Communication Lab</a:t>
-            </a:r>
-            <a:endParaRPr lang="en-US" sz="1100" dirty="0">
-              <a:solidFill>
-                <a:prstClr val="black"/>
-              </a:solidFill>
-            </a:endParaRPr>
+          <a:bodyPr wrap="none" rtlCol="0">
+            <a:spAutoFit/>
+          </a:bodyPr>
+          <a:lstStyle/>
+          <a:p>
+            <a:r>
+              <a:rPr lang="en-US" dirty="0"/>
+              <a:t>Current scene</a:t>
+            </a:r>
+          </a:p>
+          <a:p>
+            <a:endParaRPr lang="en-US" dirty="0"/>
           </a:p>
         </p:txBody>
       </p:sp>
     </p:spTree>
     <p:extLst>
       <p:ext uri="{BB962C8B-B14F-4D97-AF65-F5344CB8AC3E}">
-        <p14:creationId xmlns:p14="http://schemas.microsoft.com/office/powerpoint/2010/main" val="3840662661"/>
+        <p14:creationId xmlns:p14="http://schemas.microsoft.com/office/powerpoint/2010/main" val="2107281957"/>
       </p:ext>
     </p:extLst>
   </p:cSld>
@@ -7879,47 +7950,117 @@
           <a:lstStyle/>
           <a:p>
             <a:r>
-              <a:rPr lang="en-US" altLang="zh-Hans" dirty="0"/>
-              <a:t>Rang</a:t>
-            </a:r>
-            <a:r>
-              <a:rPr lang="zh-Hans" altLang="en-US" dirty="0"/>
-              <a:t> </a:t>
-            </a:r>
-            <a:r>
-              <a:rPr lang="en-US" altLang="zh-Hans" dirty="0"/>
-              <a:t>image</a:t>
+              <a:rPr lang="en-US" dirty="0"/>
+              <a:t>3D Object Recognition</a:t>
+            </a:r>
+          </a:p>
+        </p:txBody>
+      </p:sp>
+      <p:sp>
+        <p:nvSpPr>
+          <p:cNvPr id="3" name="Content Placeholder 2"/>
+          <p:cNvSpPr>
+            <a:spLocks noGrp="1"/>
+          </p:cNvSpPr>
+          <p:nvPr>
+            <p:ph idx="1"/>
+          </p:nvPr>
+        </p:nvSpPr>
+        <p:spPr>
+          <a:xfrm>
+            <a:off x="368968" y="866138"/>
+            <a:ext cx="8229600" cy="5181600"/>
+          </a:xfrm>
+        </p:spPr>
+        <p:txBody>
+          <a:bodyPr/>
+          <a:lstStyle/>
+          <a:p>
+            <a:r>
+              <a:rPr lang="en-US" dirty="0"/>
+              <a:t>Main step:</a:t>
+            </a:r>
+          </a:p>
+          <a:p>
+            <a:pPr lvl="1"/>
+            <a:r>
+              <a:rPr lang="en-US" dirty="0"/>
+              <a:t>Compute </a:t>
+            </a:r>
+            <a:r>
+              <a:rPr lang="en-US" dirty="0" err="1"/>
+              <a:t>Normals</a:t>
             </a:r>
             <a:endParaRPr lang="en-US" dirty="0"/>
           </a:p>
-        </p:txBody>
-      </p:sp>
-      <p:sp>
-        <p:nvSpPr>
-          <p:cNvPr id="3" name="Content Placeholder 2"/>
-          <p:cNvSpPr>
-            <a:spLocks noGrp="1"/>
-          </p:cNvSpPr>
-          <p:nvPr>
-            <p:ph idx="1"/>
-          </p:nvPr>
-        </p:nvSpPr>
-        <p:spPr/>
-        <p:txBody>
-          <a:bodyPr/>
-          <a:lstStyle/>
-          <a:p>
+          <a:p>
+            <a:pPr lvl="1"/>
+            <a:r>
+              <a:rPr lang="en-US" dirty="0" err="1"/>
+              <a:t>Downsample</a:t>
+            </a:r>
             <a:r>
               <a:rPr lang="en-US" dirty="0"/>
-              <a:t>Range images are a common 3D representation and are often generated by stereo or time-of-flight cameras. With knowledge of the camera's intrinsic calibration parameters, a range image can be converted into a point clou</a:t>
-            </a:r>
-            <a:r>
-              <a:rPr lang="en-US" altLang="zh-Hans" dirty="0"/>
-              <a:t>d</a:t>
+              <a:t> Clouds to Extract </a:t>
+            </a:r>
+            <a:r>
+              <a:rPr lang="en-US" dirty="0" err="1"/>
+              <a:t>keypoints</a:t>
             </a:r>
             <a:endParaRPr lang="en-US" dirty="0"/>
           </a:p>
           <a:p>
+            <a:pPr lvl="1"/>
+            <a:r>
+              <a:rPr lang="en-US" dirty="0"/>
+              <a:t>Compute Descriptor for </a:t>
+            </a:r>
+            <a:r>
+              <a:rPr lang="en-US" dirty="0" err="1"/>
+              <a:t>keypoints</a:t>
+            </a:r>
+            <a:endParaRPr lang="en-US" dirty="0"/>
+          </a:p>
+          <a:p>
+            <a:pPr lvl="1"/>
+            <a:r>
+              <a:rPr lang="en-US" i="1" dirty="0"/>
+              <a:t>Find Model-Scene Correspondences with </a:t>
+            </a:r>
+            <a:r>
+              <a:rPr lang="en-US" i="1" dirty="0" err="1"/>
+              <a:t>KdTree</a:t>
+            </a:r>
+            <a:endParaRPr lang="en-US" i="1" dirty="0"/>
+          </a:p>
+          <a:p>
+            <a:pPr lvl="1"/>
+            <a:r>
+              <a:rPr lang="en-US" i="1" dirty="0"/>
+              <a:t>find nearest neighbor into the model </a:t>
+            </a:r>
+            <a:r>
+              <a:rPr lang="en-US" i="1" dirty="0" err="1"/>
+              <a:t>keypoints</a:t>
+            </a:r>
+            <a:r>
+              <a:rPr lang="en-US" i="1" dirty="0"/>
+              <a:t> descriptor</a:t>
+            </a:r>
+          </a:p>
+          <a:p>
+            <a:pPr lvl="1"/>
+            <a:r>
+              <a:rPr lang="en-US" i="1" dirty="0"/>
+              <a:t>add it to the correspondences vector</a:t>
+            </a:r>
+          </a:p>
+          <a:p>
+            <a:pPr lvl="1"/>
+            <a:r>
+              <a:rPr lang="en-US" i="1" dirty="0"/>
+              <a:t>Actual Clustering</a:t>
+            </a:r>
             <a:endParaRPr lang="en-US" dirty="0"/>
           </a:p>
         </p:txBody>
@@ -7946,341 +8087,6 @@
             <a:fld id="{27019B88-CD42-45A9-8D5B-BEF706A52079}" type="slidenum">
               <a:rPr lang="en-US" smtClean="0"/>
               <a:t>5</a:t>
-            </a:fld>
-            <a:endParaRPr lang="en-US" dirty="0"/>
-          </a:p>
-        </p:txBody>
-      </p:sp>
-      <p:sp>
-        <p:nvSpPr>
-          <p:cNvPr id="11" name="Footer Placeholder 4">
-            <a:extLst>
-              <a:ext uri="{FF2B5EF4-FFF2-40B4-BE49-F238E27FC236}">
-                <a16:creationId xmlns:a16="http://schemas.microsoft.com/office/drawing/2014/main" id="{A5803C65-82D4-3743-8811-BFD9762F1B12}"/>
-              </a:ext>
-            </a:extLst>
-          </p:cNvPr>
-          <p:cNvSpPr txBox="1">
-            <a:spLocks/>
-          </p:cNvSpPr>
-          <p:nvPr/>
-        </p:nvSpPr>
-        <p:spPr>
-          <a:xfrm>
-            <a:off x="0" y="6514560"/>
-            <a:ext cx="2895600" cy="365125"/>
-          </a:xfrm>
-          <a:prstGeom prst="rect">
-            <a:avLst/>
-          </a:prstGeom>
-          <a:noFill/>
-        </p:spPr>
-        <p:txBody>
-          <a:bodyPr/>
-          <a:lstStyle>
-            <a:defPPr>
-              <a:defRPr lang="en-US"/>
-            </a:defPPr>
-            <a:lvl1pPr marL="0" algn="l" defTabSz="457200" rtl="0" eaLnBrk="1" latinLnBrk="0" hangingPunct="1">
-              <a:defRPr sz="1800" kern="1200">
-                <a:solidFill>
-                  <a:schemeClr val="tx1"/>
-                </a:solidFill>
-                <a:latin typeface="+mn-lt"/>
-                <a:ea typeface="+mn-ea"/>
-                <a:cs typeface="+mn-cs"/>
-              </a:defRPr>
-            </a:lvl1pPr>
-            <a:lvl2pPr marL="457200" algn="l" defTabSz="457200" rtl="0" eaLnBrk="1" latinLnBrk="0" hangingPunct="1">
-              <a:defRPr sz="1800" kern="1200">
-                <a:solidFill>
-                  <a:schemeClr val="tx1"/>
-                </a:solidFill>
-                <a:latin typeface="+mn-lt"/>
-                <a:ea typeface="+mn-ea"/>
-                <a:cs typeface="+mn-cs"/>
-              </a:defRPr>
-            </a:lvl2pPr>
-            <a:lvl3pPr marL="914400" algn="l" defTabSz="457200" rtl="0" eaLnBrk="1" latinLnBrk="0" hangingPunct="1">
-              <a:defRPr sz="1800" kern="1200">
-                <a:solidFill>
-                  <a:schemeClr val="tx1"/>
-                </a:solidFill>
-                <a:latin typeface="+mn-lt"/>
-                <a:ea typeface="+mn-ea"/>
-                <a:cs typeface="+mn-cs"/>
-              </a:defRPr>
-            </a:lvl3pPr>
-            <a:lvl4pPr marL="1371600" algn="l" defTabSz="457200" rtl="0" eaLnBrk="1" latinLnBrk="0" hangingPunct="1">
-              <a:defRPr sz="1800" kern="1200">
-                <a:solidFill>
-                  <a:schemeClr val="tx1"/>
-                </a:solidFill>
-                <a:latin typeface="+mn-lt"/>
-                <a:ea typeface="+mn-ea"/>
-                <a:cs typeface="+mn-cs"/>
-              </a:defRPr>
-            </a:lvl4pPr>
-            <a:lvl5pPr marL="1828800" algn="l" defTabSz="457200" rtl="0" eaLnBrk="1" latinLnBrk="0" hangingPunct="1">
-              <a:defRPr sz="1800" kern="1200">
-                <a:solidFill>
-                  <a:schemeClr val="tx1"/>
-                </a:solidFill>
-                <a:latin typeface="+mn-lt"/>
-                <a:ea typeface="+mn-ea"/>
-                <a:cs typeface="+mn-cs"/>
-              </a:defRPr>
-            </a:lvl5pPr>
-            <a:lvl6pPr marL="2286000" algn="l" defTabSz="457200" rtl="0" eaLnBrk="1" latinLnBrk="0" hangingPunct="1">
-              <a:defRPr sz="1800" kern="1200">
-                <a:solidFill>
-                  <a:schemeClr val="tx1"/>
-                </a:solidFill>
-                <a:latin typeface="+mn-lt"/>
-                <a:ea typeface="+mn-ea"/>
-                <a:cs typeface="+mn-cs"/>
-              </a:defRPr>
-            </a:lvl6pPr>
-            <a:lvl7pPr marL="2743200" algn="l" defTabSz="457200" rtl="0" eaLnBrk="1" latinLnBrk="0" hangingPunct="1">
-              <a:defRPr sz="1800" kern="1200">
-                <a:solidFill>
-                  <a:schemeClr val="tx1"/>
-                </a:solidFill>
-                <a:latin typeface="+mn-lt"/>
-                <a:ea typeface="+mn-ea"/>
-                <a:cs typeface="+mn-cs"/>
-              </a:defRPr>
-            </a:lvl7pPr>
-            <a:lvl8pPr marL="3200400" algn="l" defTabSz="457200" rtl="0" eaLnBrk="1" latinLnBrk="0" hangingPunct="1">
-              <a:defRPr sz="1800" kern="1200">
-                <a:solidFill>
-                  <a:schemeClr val="tx1"/>
-                </a:solidFill>
-                <a:latin typeface="+mn-lt"/>
-                <a:ea typeface="+mn-ea"/>
-                <a:cs typeface="+mn-cs"/>
-              </a:defRPr>
-            </a:lvl8pPr>
-            <a:lvl9pPr marL="3657600" algn="l" defTabSz="457200" rtl="0" eaLnBrk="1" latinLnBrk="0" hangingPunct="1">
-              <a:defRPr sz="1800" kern="1200">
-                <a:solidFill>
-                  <a:schemeClr val="tx1"/>
-                </a:solidFill>
-                <a:latin typeface="+mn-lt"/>
-                <a:ea typeface="+mn-ea"/>
-                <a:cs typeface="+mn-cs"/>
-              </a:defRPr>
-            </a:lvl9pPr>
-          </a:lstStyle>
-          <a:p>
-            <a:pPr defTabSz="914400"/>
-            <a:r>
-              <a:rPr lang="en-US" sz="1100">
-                <a:solidFill>
-                  <a:prstClr val="black"/>
-                </a:solidFill>
-              </a:rPr>
-              <a:t>Multimedia Computing &amp; Communication Lab</a:t>
-            </a:r>
-            <a:endParaRPr lang="en-US" sz="1100" dirty="0">
-              <a:solidFill>
-                <a:prstClr val="black"/>
-              </a:solidFill>
-            </a:endParaRPr>
-          </a:p>
-        </p:txBody>
-      </p:sp>
-      <p:pic>
-        <p:nvPicPr>
-          <p:cNvPr id="6" name="Picture 5">
-            <a:extLst>
-              <a:ext uri="{FF2B5EF4-FFF2-40B4-BE49-F238E27FC236}">
-                <a16:creationId xmlns:a16="http://schemas.microsoft.com/office/drawing/2014/main" id="{100F6E78-EEE3-4845-811C-C44583F845BF}"/>
-              </a:ext>
-            </a:extLst>
-          </p:cNvPr>
-          <p:cNvPicPr>
-            <a:picLocks noChangeAspect="1"/>
-          </p:cNvPicPr>
-          <p:nvPr/>
-        </p:nvPicPr>
-        <p:blipFill>
-          <a:blip r:embed="rId2"/>
-          <a:stretch>
-            <a:fillRect/>
-          </a:stretch>
-        </p:blipFill>
-        <p:spPr>
-          <a:xfrm>
-            <a:off x="1381327" y="3380054"/>
-            <a:ext cx="6381345" cy="2299742"/>
-          </a:xfrm>
-          <a:prstGeom prst="rect">
-            <a:avLst/>
-          </a:prstGeom>
-        </p:spPr>
-      </p:pic>
-    </p:spTree>
-    <p:extLst>
-      <p:ext uri="{BB962C8B-B14F-4D97-AF65-F5344CB8AC3E}">
-        <p14:creationId xmlns:p14="http://schemas.microsoft.com/office/powerpoint/2010/main" val="2107281957"/>
-      </p:ext>
-    </p:extLst>
-  </p:cSld>
-  <p:clrMapOvr>
-    <a:masterClrMapping/>
-  </p:clrMapOvr>
-</p:sld>
-</file>
-
-<file path=ppt/slides/slide6.xml><?xml version="1.0" encoding="utf-8"?>
-<p:sld xmlns:a="http://schemas.openxmlformats.org/drawingml/2006/main" xmlns:r="http://schemas.openxmlformats.org/officeDocument/2006/relationships" xmlns:p="http://schemas.openxmlformats.org/presentationml/2006/main">
-  <p:cSld>
-    <p:spTree>
-      <p:nvGrpSpPr>
-        <p:cNvPr id="1" name=""/>
-        <p:cNvGrpSpPr/>
-        <p:nvPr/>
-      </p:nvGrpSpPr>
-      <p:grpSpPr>
-        <a:xfrm>
-          <a:off x="0" y="0"/>
-          <a:ext cx="0" cy="0"/>
-          <a:chOff x="0" y="0"/>
-          <a:chExt cx="0" cy="0"/>
-        </a:xfrm>
-      </p:grpSpPr>
-      <p:sp>
-        <p:nvSpPr>
-          <p:cNvPr id="2" name="Title 1"/>
-          <p:cNvSpPr>
-            <a:spLocks noGrp="1"/>
-          </p:cNvSpPr>
-          <p:nvPr>
-            <p:ph type="title"/>
-          </p:nvPr>
-        </p:nvSpPr>
-        <p:spPr/>
-        <p:txBody>
-          <a:bodyPr>
-            <a:normAutofit/>
-          </a:bodyPr>
-          <a:lstStyle/>
-          <a:p>
-            <a:r>
-              <a:rPr lang="en-US" altLang="zh-Hans" dirty="0" err="1"/>
-              <a:t>Keypoint</a:t>
-            </a:r>
-            <a:r>
-              <a:rPr lang="zh-Hans" altLang="en-US" dirty="0"/>
-              <a:t> </a:t>
-            </a:r>
-            <a:r>
-              <a:rPr lang="en-US" altLang="zh-Hans" dirty="0" err="1"/>
-              <a:t>extration</a:t>
-            </a:r>
-            <a:endParaRPr lang="en-US" dirty="0"/>
-          </a:p>
-        </p:txBody>
-      </p:sp>
-      <p:sp>
-        <p:nvSpPr>
-          <p:cNvPr id="3" name="Content Placeholder 2"/>
-          <p:cNvSpPr>
-            <a:spLocks noGrp="1"/>
-          </p:cNvSpPr>
-          <p:nvPr>
-            <p:ph idx="1"/>
-          </p:nvPr>
-        </p:nvSpPr>
-        <p:spPr/>
-        <p:txBody>
-          <a:bodyPr/>
-          <a:lstStyle/>
-          <a:p>
-            <a:r>
-              <a:rPr lang="en-US" altLang="zh-CN" b="1" dirty="0"/>
-              <a:t>NARF (Normal Aligned Radial Feature)</a:t>
-            </a:r>
-            <a:endParaRPr lang="zh-CN" altLang="en-US" b="1" dirty="0"/>
-          </a:p>
-          <a:p>
-            <a:r>
-              <a:rPr lang="en-US" altLang="zh-CN" dirty="0"/>
-              <a:t>The method makes explicit use of object boundary information and tries to extract the features in areas where the surface is stable but has substantial change in the vicinity.</a:t>
-            </a:r>
-            <a:endParaRPr lang="zh-CN" altLang="en-US" dirty="0"/>
-          </a:p>
-          <a:p>
-            <a:r>
-              <a:rPr lang="en-US" altLang="zh-CN" dirty="0"/>
-              <a:t>This method has been designed with two specific goals:</a:t>
-            </a:r>
-          </a:p>
-          <a:p>
-            <a:pPr marL="457200" indent="-457200">
-              <a:buFont typeface="+mj-lt"/>
-              <a:buAutoNum type="arabicPeriod"/>
-            </a:pPr>
-            <a:r>
-              <a:rPr lang="en-US" altLang="zh-CN" dirty="0"/>
-              <a:t>the selected points are in positions where the surface is </a:t>
-            </a:r>
-            <a:r>
-              <a:rPr lang="en-US" altLang="zh-CN" b="1" dirty="0"/>
-              <a:t>stable</a:t>
-            </a:r>
-            <a:r>
-              <a:rPr lang="en-US" altLang="zh-CN" dirty="0"/>
-              <a:t>;</a:t>
-            </a:r>
-          </a:p>
-          <a:p>
-            <a:pPr marL="457200" indent="-457200">
-              <a:buFont typeface="+mj-lt"/>
-              <a:buAutoNum type="arabicPeriod"/>
-            </a:pPr>
-            <a:r>
-              <a:rPr lang="en-US" altLang="zh-CN" dirty="0"/>
-              <a:t>Make use of </a:t>
-            </a:r>
-            <a:r>
-              <a:rPr lang="en-US" altLang="zh-CN" b="1" dirty="0"/>
-              <a:t>object borders</a:t>
-            </a:r>
-            <a:r>
-              <a:rPr lang="en-US" altLang="zh-CN" dirty="0"/>
-              <a:t>.</a:t>
-            </a:r>
-            <a:endParaRPr lang="zh-CN" altLang="en-US" dirty="0"/>
-          </a:p>
-          <a:p>
-            <a:endParaRPr lang="en-US" dirty="0"/>
-          </a:p>
-        </p:txBody>
-      </p:sp>
-      <p:sp>
-        <p:nvSpPr>
-          <p:cNvPr id="4" name="Slide Number Placeholder 3"/>
-          <p:cNvSpPr>
-            <a:spLocks noGrp="1"/>
-          </p:cNvSpPr>
-          <p:nvPr>
-            <p:ph type="sldNum" sz="quarter" idx="12"/>
-          </p:nvPr>
-        </p:nvSpPr>
-        <p:spPr/>
-        <p:txBody>
-          <a:bodyPr/>
-          <a:lstStyle/>
-          <a:p>
-            <a:r>
-              <a:rPr lang="en-US"/>
-              <a:t>p.</a:t>
-            </a:r>
-            <a:fld id="{27019B88-CD42-45A9-8D5B-BEF706A52079}" type="slidenum">
-              <a:rPr lang="en-US" smtClean="0"/>
-              <a:t>6</a:t>
             </a:fld>
             <a:endParaRPr lang="en-US" dirty="0"/>
           </a:p>
@@ -8455,6 +8261,139 @@
           </a:p>
         </p:txBody>
       </p:sp>
+      <p:pic>
+        <p:nvPicPr>
+          <p:cNvPr id="7" name="Picture 6">
+            <a:extLst>
+              <a:ext uri="{FF2B5EF4-FFF2-40B4-BE49-F238E27FC236}">
+                <a16:creationId xmlns:a16="http://schemas.microsoft.com/office/drawing/2014/main" id="{03321D29-D912-454D-B780-3242B0E213E9}"/>
+              </a:ext>
+            </a:extLst>
+          </p:cNvPr>
+          <p:cNvPicPr>
+            <a:picLocks noChangeAspect="1"/>
+          </p:cNvPicPr>
+          <p:nvPr/>
+        </p:nvPicPr>
+        <p:blipFill>
+          <a:blip r:embed="rId3"/>
+          <a:stretch>
+            <a:fillRect/>
+          </a:stretch>
+        </p:blipFill>
+        <p:spPr>
+          <a:xfrm>
+            <a:off x="5384862" y="3104147"/>
+            <a:ext cx="2830848" cy="3008503"/>
+          </a:xfrm>
+          <a:prstGeom prst="rect">
+            <a:avLst/>
+          </a:prstGeom>
+        </p:spPr>
+      </p:pic>
+      <p:pic>
+        <p:nvPicPr>
+          <p:cNvPr id="9" name="Picture 8">
+            <a:extLst>
+              <a:ext uri="{FF2B5EF4-FFF2-40B4-BE49-F238E27FC236}">
+                <a16:creationId xmlns:a16="http://schemas.microsoft.com/office/drawing/2014/main" id="{BDE0CAAC-9908-D945-AA84-1CD902ADCF2F}"/>
+              </a:ext>
+            </a:extLst>
+          </p:cNvPr>
+          <p:cNvPicPr>
+            <a:picLocks noChangeAspect="1"/>
+          </p:cNvPicPr>
+          <p:nvPr/>
+        </p:nvPicPr>
+        <p:blipFill>
+          <a:blip r:embed="rId4"/>
+          <a:stretch>
+            <a:fillRect/>
+          </a:stretch>
+        </p:blipFill>
+        <p:spPr>
+          <a:xfrm>
+            <a:off x="1043968" y="4279032"/>
+            <a:ext cx="2807986" cy="1827206"/>
+          </a:xfrm>
+          <a:prstGeom prst="rect">
+            <a:avLst/>
+          </a:prstGeom>
+        </p:spPr>
+      </p:pic>
+      <p:sp>
+        <p:nvSpPr>
+          <p:cNvPr id="5" name="TextBox 4">
+            <a:extLst>
+              <a:ext uri="{FF2B5EF4-FFF2-40B4-BE49-F238E27FC236}">
+                <a16:creationId xmlns:a16="http://schemas.microsoft.com/office/drawing/2014/main" id="{986D5D5D-E0B5-7C48-B1A7-AEDE4A2BB1D3}"/>
+              </a:ext>
+            </a:extLst>
+          </p:cNvPr>
+          <p:cNvSpPr txBox="1"/>
+          <p:nvPr/>
+        </p:nvSpPr>
+        <p:spPr>
+          <a:xfrm>
+            <a:off x="1762839" y="6034423"/>
+            <a:ext cx="2518857" cy="646331"/>
+          </a:xfrm>
+          <a:prstGeom prst="rect">
+            <a:avLst/>
+          </a:prstGeom>
+          <a:noFill/>
+        </p:spPr>
+        <p:txBody>
+          <a:bodyPr wrap="square" rtlCol="0">
+            <a:spAutoFit/>
+          </a:bodyPr>
+          <a:lstStyle/>
+          <a:p>
+            <a:r>
+              <a:rPr lang="en-US" dirty="0"/>
+              <a:t>Face model</a:t>
+            </a:r>
+          </a:p>
+          <a:p>
+            <a:endParaRPr lang="en-US" dirty="0"/>
+          </a:p>
+        </p:txBody>
+      </p:sp>
+      <p:sp>
+        <p:nvSpPr>
+          <p:cNvPr id="6" name="TextBox 5">
+            <a:extLst>
+              <a:ext uri="{FF2B5EF4-FFF2-40B4-BE49-F238E27FC236}">
+                <a16:creationId xmlns:a16="http://schemas.microsoft.com/office/drawing/2014/main" id="{6F9C6E74-73CC-814F-8284-31939AF1A293}"/>
+              </a:ext>
+            </a:extLst>
+          </p:cNvPr>
+          <p:cNvSpPr txBox="1"/>
+          <p:nvPr/>
+        </p:nvSpPr>
+        <p:spPr>
+          <a:xfrm>
+            <a:off x="5614793" y="6106238"/>
+            <a:ext cx="3467829" cy="369332"/>
+          </a:xfrm>
+          <a:prstGeom prst="rect">
+            <a:avLst/>
+          </a:prstGeom>
+          <a:noFill/>
+        </p:spPr>
+        <p:txBody>
+          <a:bodyPr wrap="square" rtlCol="0">
+            <a:spAutoFit/>
+          </a:bodyPr>
+          <a:lstStyle/>
+          <a:p>
+            <a:r>
+              <a:rPr lang="en-US" dirty="0"/>
+              <a:t>Find face model in scene</a:t>
+            </a:r>
+          </a:p>
+        </p:txBody>
+      </p:sp>
     </p:spTree>
     <p:extLst>
       <p:ext uri="{BB962C8B-B14F-4D97-AF65-F5344CB8AC3E}">
@@ -8468,7 +8407,7 @@
 </p:sld>
 </file>
 
-<file path=ppt/slides/slide7.xml><?xml version="1.0" encoding="utf-8"?>
+<file path=ppt/slides/slide6.xml><?xml version="1.0" encoding="utf-8"?>
 <p:sld xmlns:a="http://schemas.openxmlformats.org/drawingml/2006/main" xmlns:r="http://schemas.openxmlformats.org/officeDocument/2006/relationships" xmlns:p="http://schemas.openxmlformats.org/presentationml/2006/main">
   <p:cSld>
     <p:spTree>
@@ -8487,609 +8426,6 @@
       </p:grpSpPr>
       <p:sp>
         <p:nvSpPr>
-          <p:cNvPr id="2" name="Title 1"/>
-          <p:cNvSpPr>
-            <a:spLocks noGrp="1"/>
-          </p:cNvSpPr>
-          <p:nvPr>
-            <p:ph type="title"/>
-          </p:nvPr>
-        </p:nvSpPr>
-        <p:spPr/>
-        <p:txBody>
-          <a:bodyPr>
-            <a:normAutofit/>
-          </a:bodyPr>
-          <a:lstStyle/>
-          <a:p>
-            <a:r>
-              <a:rPr lang="en-US" altLang="zh-Hans" dirty="0"/>
-              <a:t>Data</a:t>
-            </a:r>
-            <a:r>
-              <a:rPr lang="zh-Hans" altLang="en-US" dirty="0"/>
-              <a:t> </a:t>
-            </a:r>
-            <a:r>
-              <a:rPr lang="en-US" altLang="zh-Hans" dirty="0"/>
-              <a:t>Collection</a:t>
-            </a:r>
-            <a:endParaRPr lang="en-US" dirty="0"/>
-          </a:p>
-        </p:txBody>
-      </p:sp>
-      <p:sp>
-        <p:nvSpPr>
-          <p:cNvPr id="3" name="Content Placeholder 2"/>
-          <p:cNvSpPr>
-            <a:spLocks noGrp="1"/>
-          </p:cNvSpPr>
-          <p:nvPr>
-            <p:ph idx="1"/>
-          </p:nvPr>
-        </p:nvSpPr>
-        <p:spPr/>
-        <p:txBody>
-          <a:bodyPr/>
-          <a:lstStyle/>
-          <a:p>
-            <a:r>
-              <a:rPr lang="en-US" b="1" dirty="0"/>
-              <a:t>CASIA-3D FaceV1 Database</a:t>
-            </a:r>
-          </a:p>
-          <a:p>
-            <a:pPr lvl="1"/>
-            <a:r>
-              <a:rPr lang="en-US" altLang="zh-CN" b="1" dirty="0"/>
-              <a:t>Download Size 4.48GB</a:t>
-            </a:r>
-          </a:p>
-        </p:txBody>
-      </p:sp>
-      <p:sp>
-        <p:nvSpPr>
-          <p:cNvPr id="4" name="Slide Number Placeholder 3"/>
-          <p:cNvSpPr>
-            <a:spLocks noGrp="1"/>
-          </p:cNvSpPr>
-          <p:nvPr>
-            <p:ph type="sldNum" sz="quarter" idx="12"/>
-          </p:nvPr>
-        </p:nvSpPr>
-        <p:spPr/>
-        <p:txBody>
-          <a:bodyPr/>
-          <a:lstStyle/>
-          <a:p>
-            <a:r>
-              <a:rPr lang="en-US"/>
-              <a:t>p.</a:t>
-            </a:r>
-            <a:fld id="{27019B88-CD42-45A9-8D5B-BEF706A52079}" type="slidenum">
-              <a:rPr lang="en-US" smtClean="0"/>
-              <a:t>7</a:t>
-            </a:fld>
-            <a:endParaRPr lang="en-US" dirty="0"/>
-          </a:p>
-        </p:txBody>
-      </p:sp>
-      <p:pic>
-        <p:nvPicPr>
-          <p:cNvPr id="7" name="Picture 6">
-            <a:extLst>
-              <a:ext uri="{FF2B5EF4-FFF2-40B4-BE49-F238E27FC236}">
-                <a16:creationId xmlns:a16="http://schemas.microsoft.com/office/drawing/2014/main" id="{75695D0F-A338-574F-BD65-762687BFD9CC}"/>
-              </a:ext>
-            </a:extLst>
-          </p:cNvPr>
-          <p:cNvPicPr>
-            <a:picLocks noChangeAspect="1"/>
-          </p:cNvPicPr>
-          <p:nvPr/>
-        </p:nvPicPr>
-        <p:blipFill>
-          <a:blip r:embed="rId2"/>
-          <a:stretch>
-            <a:fillRect/>
-          </a:stretch>
-        </p:blipFill>
-        <p:spPr>
-          <a:xfrm>
-            <a:off x="457200" y="2976027"/>
-            <a:ext cx="4856345" cy="3084532"/>
-          </a:xfrm>
-          <a:prstGeom prst="rect">
-            <a:avLst/>
-          </a:prstGeom>
-        </p:spPr>
-      </p:pic>
-      <p:pic>
-        <p:nvPicPr>
-          <p:cNvPr id="9" name="Picture 8">
-            <a:extLst>
-              <a:ext uri="{FF2B5EF4-FFF2-40B4-BE49-F238E27FC236}">
-                <a16:creationId xmlns:a16="http://schemas.microsoft.com/office/drawing/2014/main" id="{3E24E1E4-5284-1045-BB4D-8E9648556201}"/>
-              </a:ext>
-            </a:extLst>
-          </p:cNvPr>
-          <p:cNvPicPr>
-            <a:picLocks noChangeAspect="1"/>
-          </p:cNvPicPr>
-          <p:nvPr/>
-        </p:nvPicPr>
-        <p:blipFill>
-          <a:blip r:embed="rId3"/>
-          <a:stretch>
-            <a:fillRect/>
-          </a:stretch>
-        </p:blipFill>
-        <p:spPr>
-          <a:xfrm>
-            <a:off x="4377808" y="4658738"/>
-            <a:ext cx="4766192" cy="1401821"/>
-          </a:xfrm>
-          <a:prstGeom prst="rect">
-            <a:avLst/>
-          </a:prstGeom>
-        </p:spPr>
-      </p:pic>
-      <p:sp>
-        <p:nvSpPr>
-          <p:cNvPr id="10" name="Footer Placeholder 4">
-            <a:extLst>
-              <a:ext uri="{FF2B5EF4-FFF2-40B4-BE49-F238E27FC236}">
-                <a16:creationId xmlns:a16="http://schemas.microsoft.com/office/drawing/2014/main" id="{7D66D9CB-8C01-EC4C-A8A3-D49C2D60D6DB}"/>
-              </a:ext>
-            </a:extLst>
-          </p:cNvPr>
-          <p:cNvSpPr txBox="1">
-            <a:spLocks/>
-          </p:cNvSpPr>
-          <p:nvPr/>
-        </p:nvSpPr>
-        <p:spPr>
-          <a:xfrm>
-            <a:off x="0" y="6514560"/>
-            <a:ext cx="2895600" cy="365125"/>
-          </a:xfrm>
-          <a:prstGeom prst="rect">
-            <a:avLst/>
-          </a:prstGeom>
-          <a:noFill/>
-        </p:spPr>
-        <p:txBody>
-          <a:bodyPr/>
-          <a:lstStyle>
-            <a:defPPr>
-              <a:defRPr lang="en-US"/>
-            </a:defPPr>
-            <a:lvl1pPr marL="0" algn="l" defTabSz="457200" rtl="0" eaLnBrk="1" latinLnBrk="0" hangingPunct="1">
-              <a:defRPr sz="1800" kern="1200">
-                <a:solidFill>
-                  <a:schemeClr val="tx1"/>
-                </a:solidFill>
-                <a:latin typeface="+mn-lt"/>
-                <a:ea typeface="+mn-ea"/>
-                <a:cs typeface="+mn-cs"/>
-              </a:defRPr>
-            </a:lvl1pPr>
-            <a:lvl2pPr marL="457200" algn="l" defTabSz="457200" rtl="0" eaLnBrk="1" latinLnBrk="0" hangingPunct="1">
-              <a:defRPr sz="1800" kern="1200">
-                <a:solidFill>
-                  <a:schemeClr val="tx1"/>
-                </a:solidFill>
-                <a:latin typeface="+mn-lt"/>
-                <a:ea typeface="+mn-ea"/>
-                <a:cs typeface="+mn-cs"/>
-              </a:defRPr>
-            </a:lvl2pPr>
-            <a:lvl3pPr marL="914400" algn="l" defTabSz="457200" rtl="0" eaLnBrk="1" latinLnBrk="0" hangingPunct="1">
-              <a:defRPr sz="1800" kern="1200">
-                <a:solidFill>
-                  <a:schemeClr val="tx1"/>
-                </a:solidFill>
-                <a:latin typeface="+mn-lt"/>
-                <a:ea typeface="+mn-ea"/>
-                <a:cs typeface="+mn-cs"/>
-              </a:defRPr>
-            </a:lvl3pPr>
-            <a:lvl4pPr marL="1371600" algn="l" defTabSz="457200" rtl="0" eaLnBrk="1" latinLnBrk="0" hangingPunct="1">
-              <a:defRPr sz="1800" kern="1200">
-                <a:solidFill>
-                  <a:schemeClr val="tx1"/>
-                </a:solidFill>
-                <a:latin typeface="+mn-lt"/>
-                <a:ea typeface="+mn-ea"/>
-                <a:cs typeface="+mn-cs"/>
-              </a:defRPr>
-            </a:lvl4pPr>
-            <a:lvl5pPr marL="1828800" algn="l" defTabSz="457200" rtl="0" eaLnBrk="1" latinLnBrk="0" hangingPunct="1">
-              <a:defRPr sz="1800" kern="1200">
-                <a:solidFill>
-                  <a:schemeClr val="tx1"/>
-                </a:solidFill>
-                <a:latin typeface="+mn-lt"/>
-                <a:ea typeface="+mn-ea"/>
-                <a:cs typeface="+mn-cs"/>
-              </a:defRPr>
-            </a:lvl5pPr>
-            <a:lvl6pPr marL="2286000" algn="l" defTabSz="457200" rtl="0" eaLnBrk="1" latinLnBrk="0" hangingPunct="1">
-              <a:defRPr sz="1800" kern="1200">
-                <a:solidFill>
-                  <a:schemeClr val="tx1"/>
-                </a:solidFill>
-                <a:latin typeface="+mn-lt"/>
-                <a:ea typeface="+mn-ea"/>
-                <a:cs typeface="+mn-cs"/>
-              </a:defRPr>
-            </a:lvl6pPr>
-            <a:lvl7pPr marL="2743200" algn="l" defTabSz="457200" rtl="0" eaLnBrk="1" latinLnBrk="0" hangingPunct="1">
-              <a:defRPr sz="1800" kern="1200">
-                <a:solidFill>
-                  <a:schemeClr val="tx1"/>
-                </a:solidFill>
-                <a:latin typeface="+mn-lt"/>
-                <a:ea typeface="+mn-ea"/>
-                <a:cs typeface="+mn-cs"/>
-              </a:defRPr>
-            </a:lvl7pPr>
-            <a:lvl8pPr marL="3200400" algn="l" defTabSz="457200" rtl="0" eaLnBrk="1" latinLnBrk="0" hangingPunct="1">
-              <a:defRPr sz="1800" kern="1200">
-                <a:solidFill>
-                  <a:schemeClr val="tx1"/>
-                </a:solidFill>
-                <a:latin typeface="+mn-lt"/>
-                <a:ea typeface="+mn-ea"/>
-                <a:cs typeface="+mn-cs"/>
-              </a:defRPr>
-            </a:lvl8pPr>
-            <a:lvl9pPr marL="3657600" algn="l" defTabSz="457200" rtl="0" eaLnBrk="1" latinLnBrk="0" hangingPunct="1">
-              <a:defRPr sz="1800" kern="1200">
-                <a:solidFill>
-                  <a:schemeClr val="tx1"/>
-                </a:solidFill>
-                <a:latin typeface="+mn-lt"/>
-                <a:ea typeface="+mn-ea"/>
-                <a:cs typeface="+mn-cs"/>
-              </a:defRPr>
-            </a:lvl9pPr>
-          </a:lstStyle>
-          <a:p>
-            <a:pPr defTabSz="914400"/>
-            <a:r>
-              <a:rPr lang="en-US" sz="1100">
-                <a:solidFill>
-                  <a:prstClr val="black"/>
-                </a:solidFill>
-              </a:rPr>
-              <a:t>Multimedia Computing &amp; Communication Lab</a:t>
-            </a:r>
-            <a:endParaRPr lang="en-US" sz="1100" dirty="0">
-              <a:solidFill>
-                <a:prstClr val="black"/>
-              </a:solidFill>
-            </a:endParaRPr>
-          </a:p>
-        </p:txBody>
-      </p:sp>
-    </p:spTree>
-    <p:extLst>
-      <p:ext uri="{BB962C8B-B14F-4D97-AF65-F5344CB8AC3E}">
-        <p14:creationId xmlns:p14="http://schemas.microsoft.com/office/powerpoint/2010/main" val="3354171027"/>
-      </p:ext>
-    </p:extLst>
-  </p:cSld>
-  <p:clrMapOvr>
-    <a:masterClrMapping/>
-  </p:clrMapOvr>
-</p:sld>
-</file>
-
-<file path=ppt/slides/slide8.xml><?xml version="1.0" encoding="utf-8"?>
-<p:sld xmlns:a="http://schemas.openxmlformats.org/drawingml/2006/main" xmlns:r="http://schemas.openxmlformats.org/officeDocument/2006/relationships" xmlns:p="http://schemas.openxmlformats.org/presentationml/2006/main">
-  <p:cSld>
-    <p:spTree>
-      <p:nvGrpSpPr>
-        <p:cNvPr id="1" name=""/>
-        <p:cNvGrpSpPr/>
-        <p:nvPr/>
-      </p:nvGrpSpPr>
-      <p:grpSpPr>
-        <a:xfrm>
-          <a:off x="0" y="0"/>
-          <a:ext cx="0" cy="0"/>
-          <a:chOff x="0" y="0"/>
-          <a:chExt cx="0" cy="0"/>
-        </a:xfrm>
-      </p:grpSpPr>
-      <p:sp>
-        <p:nvSpPr>
-          <p:cNvPr id="2" name="Title 1"/>
-          <p:cNvSpPr>
-            <a:spLocks noGrp="1"/>
-          </p:cNvSpPr>
-          <p:nvPr>
-            <p:ph type="title"/>
-          </p:nvPr>
-        </p:nvSpPr>
-        <p:spPr/>
-        <p:txBody>
-          <a:bodyPr>
-            <a:normAutofit/>
-          </a:bodyPr>
-          <a:lstStyle/>
-          <a:p>
-            <a:r>
-              <a:rPr lang="en-US" altLang="zh-Hans" dirty="0"/>
-              <a:t>Data</a:t>
-            </a:r>
-            <a:r>
-              <a:rPr lang="zh-Hans" altLang="en-US" dirty="0"/>
-              <a:t> </a:t>
-            </a:r>
-            <a:r>
-              <a:rPr lang="en-US" altLang="zh-Hans" dirty="0"/>
-              <a:t>Collection</a:t>
-            </a:r>
-            <a:endParaRPr lang="en-US" dirty="0"/>
-          </a:p>
-        </p:txBody>
-      </p:sp>
-      <p:sp>
-        <p:nvSpPr>
-          <p:cNvPr id="3" name="Content Placeholder 2"/>
-          <p:cNvSpPr>
-            <a:spLocks noGrp="1"/>
-          </p:cNvSpPr>
-          <p:nvPr>
-            <p:ph idx="1"/>
-          </p:nvPr>
-        </p:nvSpPr>
-        <p:spPr/>
-        <p:txBody>
-          <a:bodyPr/>
-          <a:lstStyle/>
-          <a:p>
-            <a:r>
-              <a:rPr lang="en-US" dirty="0"/>
-              <a:t>3D Twins Expression Challenge (3D-TEC) Data Set</a:t>
-            </a:r>
-          </a:p>
-          <a:p>
-            <a:pPr lvl="1"/>
-            <a:r>
-              <a:rPr lang="en-US" dirty="0"/>
-              <a:t>Data Type: Face 3D</a:t>
-            </a:r>
-          </a:p>
-          <a:p>
-            <a:pPr lvl="1"/>
-            <a:r>
-              <a:rPr lang="en-US" dirty="0"/>
-              <a:t>Approximate Download Size: 1.5 GB</a:t>
-            </a:r>
-          </a:p>
-          <a:p>
-            <a:r>
-              <a:rPr lang="en-US" dirty="0"/>
-              <a:t>ND-2006 Data Set</a:t>
-            </a:r>
-          </a:p>
-          <a:p>
-            <a:pPr lvl="1"/>
-            <a:r>
-              <a:rPr lang="en-US" dirty="0"/>
-              <a:t>Data Type: Face 3D</a:t>
-            </a:r>
-          </a:p>
-          <a:p>
-            <a:pPr lvl="1"/>
-            <a:r>
-              <a:rPr lang="en-US" dirty="0"/>
-              <a:t>Approximate Download Size: 29 GB</a:t>
-            </a:r>
-          </a:p>
-        </p:txBody>
-      </p:sp>
-      <p:sp>
-        <p:nvSpPr>
-          <p:cNvPr id="4" name="Slide Number Placeholder 3"/>
-          <p:cNvSpPr>
-            <a:spLocks noGrp="1"/>
-          </p:cNvSpPr>
-          <p:nvPr>
-            <p:ph type="sldNum" sz="quarter" idx="12"/>
-          </p:nvPr>
-        </p:nvSpPr>
-        <p:spPr/>
-        <p:txBody>
-          <a:bodyPr/>
-          <a:lstStyle/>
-          <a:p>
-            <a:r>
-              <a:rPr lang="en-US"/>
-              <a:t>p.</a:t>
-            </a:r>
-            <a:fld id="{27019B88-CD42-45A9-8D5B-BEF706A52079}" type="slidenum">
-              <a:rPr lang="en-US" smtClean="0"/>
-              <a:t>8</a:t>
-            </a:fld>
-            <a:endParaRPr lang="en-US" dirty="0"/>
-          </a:p>
-        </p:txBody>
-      </p:sp>
-      <p:sp>
-        <p:nvSpPr>
-          <p:cNvPr id="6" name="Footer Placeholder 4">
-            <a:extLst>
-              <a:ext uri="{FF2B5EF4-FFF2-40B4-BE49-F238E27FC236}">
-                <a16:creationId xmlns:a16="http://schemas.microsoft.com/office/drawing/2014/main" id="{0A96E88F-6E50-124A-B330-72E5E8A2C52A}"/>
-              </a:ext>
-            </a:extLst>
-          </p:cNvPr>
-          <p:cNvSpPr txBox="1">
-            <a:spLocks/>
-          </p:cNvSpPr>
-          <p:nvPr/>
-        </p:nvSpPr>
-        <p:spPr>
-          <a:xfrm>
-            <a:off x="0" y="6514560"/>
-            <a:ext cx="2895600" cy="365125"/>
-          </a:xfrm>
-          <a:prstGeom prst="rect">
-            <a:avLst/>
-          </a:prstGeom>
-          <a:noFill/>
-        </p:spPr>
-        <p:txBody>
-          <a:bodyPr/>
-          <a:lstStyle>
-            <a:defPPr>
-              <a:defRPr lang="en-US"/>
-            </a:defPPr>
-            <a:lvl1pPr marL="0" algn="l" defTabSz="457200" rtl="0" eaLnBrk="1" latinLnBrk="0" hangingPunct="1">
-              <a:defRPr sz="1800" kern="1200">
-                <a:solidFill>
-                  <a:schemeClr val="tx1"/>
-                </a:solidFill>
-                <a:latin typeface="+mn-lt"/>
-                <a:ea typeface="+mn-ea"/>
-                <a:cs typeface="+mn-cs"/>
-              </a:defRPr>
-            </a:lvl1pPr>
-            <a:lvl2pPr marL="457200" algn="l" defTabSz="457200" rtl="0" eaLnBrk="1" latinLnBrk="0" hangingPunct="1">
-              <a:defRPr sz="1800" kern="1200">
-                <a:solidFill>
-                  <a:schemeClr val="tx1"/>
-                </a:solidFill>
-                <a:latin typeface="+mn-lt"/>
-                <a:ea typeface="+mn-ea"/>
-                <a:cs typeface="+mn-cs"/>
-              </a:defRPr>
-            </a:lvl2pPr>
-            <a:lvl3pPr marL="914400" algn="l" defTabSz="457200" rtl="0" eaLnBrk="1" latinLnBrk="0" hangingPunct="1">
-              <a:defRPr sz="1800" kern="1200">
-                <a:solidFill>
-                  <a:schemeClr val="tx1"/>
-                </a:solidFill>
-                <a:latin typeface="+mn-lt"/>
-                <a:ea typeface="+mn-ea"/>
-                <a:cs typeface="+mn-cs"/>
-              </a:defRPr>
-            </a:lvl3pPr>
-            <a:lvl4pPr marL="1371600" algn="l" defTabSz="457200" rtl="0" eaLnBrk="1" latinLnBrk="0" hangingPunct="1">
-              <a:defRPr sz="1800" kern="1200">
-                <a:solidFill>
-                  <a:schemeClr val="tx1"/>
-                </a:solidFill>
-                <a:latin typeface="+mn-lt"/>
-                <a:ea typeface="+mn-ea"/>
-                <a:cs typeface="+mn-cs"/>
-              </a:defRPr>
-            </a:lvl4pPr>
-            <a:lvl5pPr marL="1828800" algn="l" defTabSz="457200" rtl="0" eaLnBrk="1" latinLnBrk="0" hangingPunct="1">
-              <a:defRPr sz="1800" kern="1200">
-                <a:solidFill>
-                  <a:schemeClr val="tx1"/>
-                </a:solidFill>
-                <a:latin typeface="+mn-lt"/>
-                <a:ea typeface="+mn-ea"/>
-                <a:cs typeface="+mn-cs"/>
-              </a:defRPr>
-            </a:lvl5pPr>
-            <a:lvl6pPr marL="2286000" algn="l" defTabSz="457200" rtl="0" eaLnBrk="1" latinLnBrk="0" hangingPunct="1">
-              <a:defRPr sz="1800" kern="1200">
-                <a:solidFill>
-                  <a:schemeClr val="tx1"/>
-                </a:solidFill>
-                <a:latin typeface="+mn-lt"/>
-                <a:ea typeface="+mn-ea"/>
-                <a:cs typeface="+mn-cs"/>
-              </a:defRPr>
-            </a:lvl6pPr>
-            <a:lvl7pPr marL="2743200" algn="l" defTabSz="457200" rtl="0" eaLnBrk="1" latinLnBrk="0" hangingPunct="1">
-              <a:defRPr sz="1800" kern="1200">
-                <a:solidFill>
-                  <a:schemeClr val="tx1"/>
-                </a:solidFill>
-                <a:latin typeface="+mn-lt"/>
-                <a:ea typeface="+mn-ea"/>
-                <a:cs typeface="+mn-cs"/>
-              </a:defRPr>
-            </a:lvl7pPr>
-            <a:lvl8pPr marL="3200400" algn="l" defTabSz="457200" rtl="0" eaLnBrk="1" latinLnBrk="0" hangingPunct="1">
-              <a:defRPr sz="1800" kern="1200">
-                <a:solidFill>
-                  <a:schemeClr val="tx1"/>
-                </a:solidFill>
-                <a:latin typeface="+mn-lt"/>
-                <a:ea typeface="+mn-ea"/>
-                <a:cs typeface="+mn-cs"/>
-              </a:defRPr>
-            </a:lvl8pPr>
-            <a:lvl9pPr marL="3657600" algn="l" defTabSz="457200" rtl="0" eaLnBrk="1" latinLnBrk="0" hangingPunct="1">
-              <a:defRPr sz="1800" kern="1200">
-                <a:solidFill>
-                  <a:schemeClr val="tx1"/>
-                </a:solidFill>
-                <a:latin typeface="+mn-lt"/>
-                <a:ea typeface="+mn-ea"/>
-                <a:cs typeface="+mn-cs"/>
-              </a:defRPr>
-            </a:lvl9pPr>
-          </a:lstStyle>
-          <a:p>
-            <a:pPr defTabSz="914400"/>
-            <a:r>
-              <a:rPr lang="en-US" sz="1100">
-                <a:solidFill>
-                  <a:prstClr val="black"/>
-                </a:solidFill>
-              </a:rPr>
-              <a:t>Multimedia Computing &amp; Communication Lab</a:t>
-            </a:r>
-            <a:endParaRPr lang="en-US" sz="1100" dirty="0">
-              <a:solidFill>
-                <a:prstClr val="black"/>
-              </a:solidFill>
-            </a:endParaRPr>
-          </a:p>
-        </p:txBody>
-      </p:sp>
-    </p:spTree>
-    <p:extLst>
-      <p:ext uri="{BB962C8B-B14F-4D97-AF65-F5344CB8AC3E}">
-        <p14:creationId xmlns:p14="http://schemas.microsoft.com/office/powerpoint/2010/main" val="4085728058"/>
-      </p:ext>
-    </p:extLst>
-  </p:cSld>
-  <p:clrMapOvr>
-    <a:masterClrMapping/>
-  </p:clrMapOvr>
-</p:sld>
-</file>
-
-<file path=ppt/slides/slide9.xml><?xml version="1.0" encoding="utf-8"?>
-<p:sld xmlns:a="http://schemas.openxmlformats.org/drawingml/2006/main" xmlns:r="http://schemas.openxmlformats.org/officeDocument/2006/relationships" xmlns:p="http://schemas.openxmlformats.org/presentationml/2006/main">
-  <p:cSld>
-    <p:spTree>
-      <p:nvGrpSpPr>
-        <p:cNvPr id="1" name=""/>
-        <p:cNvGrpSpPr/>
-        <p:nvPr/>
-      </p:nvGrpSpPr>
-      <p:grpSpPr>
-        <a:xfrm>
-          <a:off x="0" y="0"/>
-          <a:ext cx="0" cy="0"/>
-          <a:chOff x="0" y="0"/>
-          <a:chExt cx="0" cy="0"/>
-        </a:xfrm>
-      </p:grpSpPr>
-      <p:sp>
-        <p:nvSpPr>
           <p:cNvPr id="7" name="标题 6"/>
           <p:cNvSpPr>
             <a:spLocks noGrp="1"/>
@@ -9140,7 +8476,7 @@
                   <a:prstClr val="black"/>
                 </a:solidFill>
               </a:rPr>
-              <a:t>9</a:t>
+              <a:t>6</a:t>
             </a:fld>
             <a:endParaRPr lang="en-US" dirty="0">
               <a:solidFill>
